--- a/HyeJeong/Final File/발표자료.pptx
+++ b/HyeJeong/Final File/발표자료.pptx
@@ -6,13 +6,14 @@
   </p:sldMasterIdLst>
   <p:sldIdLst>
     <p:sldId id="257" r:id="rId2"/>
-    <p:sldId id="256" r:id="rId3"/>
-    <p:sldId id="258" r:id="rId4"/>
-    <p:sldId id="259" r:id="rId5"/>
-    <p:sldId id="260" r:id="rId6"/>
-    <p:sldId id="261" r:id="rId7"/>
-    <p:sldId id="262" r:id="rId8"/>
-    <p:sldId id="263" r:id="rId9"/>
+    <p:sldId id="265" r:id="rId3"/>
+    <p:sldId id="256" r:id="rId4"/>
+    <p:sldId id="258" r:id="rId5"/>
+    <p:sldId id="259" r:id="rId6"/>
+    <p:sldId id="260" r:id="rId7"/>
+    <p:sldId id="261" r:id="rId8"/>
+    <p:sldId id="262" r:id="rId9"/>
+    <p:sldId id="263" r:id="rId10"/>
   </p:sldIdLst>
   <p:sldSz cx="12192000" cy="6858000"/>
   <p:notesSz cx="6858000" cy="9144000"/>
@@ -111,6 +112,11 @@
       </a:defRPr>
     </a:lvl9pPr>
   </p:defaultTextStyle>
+  <p:extLst>
+    <p:ext uri="{EFAFB233-063F-42B5-8137-9DF3F51BA10A}">
+      <p15:sldGuideLst xmlns:p15="http://schemas.microsoft.com/office/powerpoint/2012/main"/>
+    </p:ext>
+  </p:extLst>
 </p:presentation>
 </file>
 
@@ -261,7 +267,7 @@
           <a:p>
             <a:fld id="{B6E047F0-C208-42BE-AD32-B316F90CB6B8}" type="datetimeFigureOut">
               <a:rPr lang="ko-KR" altLang="en-US" smtClean="0"/>
-              <a:t>2022-08-25</a:t>
+              <a:t>2022-08-26</a:t>
             </a:fld>
             <a:endParaRPr lang="ko-KR" altLang="en-US"/>
           </a:p>
@@ -459,7 +465,7 @@
           <a:p>
             <a:fld id="{B6E047F0-C208-42BE-AD32-B316F90CB6B8}" type="datetimeFigureOut">
               <a:rPr lang="ko-KR" altLang="en-US" smtClean="0"/>
-              <a:t>2022-08-25</a:t>
+              <a:t>2022-08-26</a:t>
             </a:fld>
             <a:endParaRPr lang="ko-KR" altLang="en-US"/>
           </a:p>
@@ -667,7 +673,7 @@
           <a:p>
             <a:fld id="{B6E047F0-C208-42BE-AD32-B316F90CB6B8}" type="datetimeFigureOut">
               <a:rPr lang="ko-KR" altLang="en-US" smtClean="0"/>
-              <a:t>2022-08-25</a:t>
+              <a:t>2022-08-26</a:t>
             </a:fld>
             <a:endParaRPr lang="ko-KR" altLang="en-US"/>
           </a:p>
@@ -865,7 +871,7 @@
           <a:p>
             <a:fld id="{B6E047F0-C208-42BE-AD32-B316F90CB6B8}" type="datetimeFigureOut">
               <a:rPr lang="ko-KR" altLang="en-US" smtClean="0"/>
-              <a:t>2022-08-25</a:t>
+              <a:t>2022-08-26</a:t>
             </a:fld>
             <a:endParaRPr lang="ko-KR" altLang="en-US"/>
           </a:p>
@@ -1140,7 +1146,7 @@
           <a:p>
             <a:fld id="{B6E047F0-C208-42BE-AD32-B316F90CB6B8}" type="datetimeFigureOut">
               <a:rPr lang="ko-KR" altLang="en-US" smtClean="0"/>
-              <a:t>2022-08-25</a:t>
+              <a:t>2022-08-26</a:t>
             </a:fld>
             <a:endParaRPr lang="ko-KR" altLang="en-US"/>
           </a:p>
@@ -1405,7 +1411,7 @@
           <a:p>
             <a:fld id="{B6E047F0-C208-42BE-AD32-B316F90CB6B8}" type="datetimeFigureOut">
               <a:rPr lang="ko-KR" altLang="en-US" smtClean="0"/>
-              <a:t>2022-08-25</a:t>
+              <a:t>2022-08-26</a:t>
             </a:fld>
             <a:endParaRPr lang="ko-KR" altLang="en-US"/>
           </a:p>
@@ -1817,7 +1823,7 @@
           <a:p>
             <a:fld id="{B6E047F0-C208-42BE-AD32-B316F90CB6B8}" type="datetimeFigureOut">
               <a:rPr lang="ko-KR" altLang="en-US" smtClean="0"/>
-              <a:t>2022-08-25</a:t>
+              <a:t>2022-08-26</a:t>
             </a:fld>
             <a:endParaRPr lang="ko-KR" altLang="en-US"/>
           </a:p>
@@ -1958,7 +1964,7 @@
           <a:p>
             <a:fld id="{B6E047F0-C208-42BE-AD32-B316F90CB6B8}" type="datetimeFigureOut">
               <a:rPr lang="ko-KR" altLang="en-US" smtClean="0"/>
-              <a:t>2022-08-25</a:t>
+              <a:t>2022-08-26</a:t>
             </a:fld>
             <a:endParaRPr lang="ko-KR" altLang="en-US"/>
           </a:p>
@@ -2071,7 +2077,7 @@
           <a:p>
             <a:fld id="{B6E047F0-C208-42BE-AD32-B316F90CB6B8}" type="datetimeFigureOut">
               <a:rPr lang="ko-KR" altLang="en-US" smtClean="0"/>
-              <a:t>2022-08-25</a:t>
+              <a:t>2022-08-26</a:t>
             </a:fld>
             <a:endParaRPr lang="ko-KR" altLang="en-US"/>
           </a:p>
@@ -2382,7 +2388,7 @@
           <a:p>
             <a:fld id="{B6E047F0-C208-42BE-AD32-B316F90CB6B8}" type="datetimeFigureOut">
               <a:rPr lang="ko-KR" altLang="en-US" smtClean="0"/>
-              <a:t>2022-08-25</a:t>
+              <a:t>2022-08-26</a:t>
             </a:fld>
             <a:endParaRPr lang="ko-KR" altLang="en-US"/>
           </a:p>
@@ -2670,7 +2676,7 @@
           <a:p>
             <a:fld id="{B6E047F0-C208-42BE-AD32-B316F90CB6B8}" type="datetimeFigureOut">
               <a:rPr lang="ko-KR" altLang="en-US" smtClean="0"/>
-              <a:t>2022-08-25</a:t>
+              <a:t>2022-08-26</a:t>
             </a:fld>
             <a:endParaRPr lang="ko-KR" altLang="en-US"/>
           </a:p>
@@ -2911,7 +2917,7 @@
           <a:p>
             <a:fld id="{B6E047F0-C208-42BE-AD32-B316F90CB6B8}" type="datetimeFigureOut">
               <a:rPr lang="ko-KR" altLang="en-US" smtClean="0"/>
-              <a:t>2022-08-25</a:t>
+              <a:t>2022-08-26</a:t>
             </a:fld>
             <a:endParaRPr lang="ko-KR" altLang="en-US"/>
           </a:p>
@@ -3555,7 +3561,7 @@
         </p:nvSpPr>
         <p:spPr>
           <a:xfrm>
-            <a:off x="542925" y="3855223"/>
+            <a:off x="509214" y="3400027"/>
             <a:ext cx="5586786" cy="369332"/>
           </a:xfrm>
           <a:prstGeom prst="rect">
@@ -3602,8 +3608,8 @@
         </p:nvSpPr>
         <p:spPr>
           <a:xfrm>
-            <a:off x="1237095" y="4379564"/>
-            <a:ext cx="9211176" cy="1754326"/>
+            <a:off x="1237095" y="4053580"/>
+            <a:ext cx="10423046" cy="2308324"/>
           </a:xfrm>
           <a:prstGeom prst="rect">
             <a:avLst/>
@@ -3621,16 +3627,12 @@
               <a:t>4) </a:t>
             </a:r>
             <a:r>
-              <a:rPr lang="ko-KR" altLang="en-US" dirty="0"/>
-              <a:t>추출된 키워드 감성분석을 통해 관광 유형별 </a:t>
-            </a:r>
-            <a:r>
               <a:rPr lang="ko-KR" altLang="en-US" dirty="0" err="1"/>
-              <a:t>긍부정</a:t>
-            </a:r>
-            <a:r>
-              <a:rPr lang="ko-KR" altLang="en-US" dirty="0"/>
-              <a:t> 키워드를 분류</a:t>
+              <a:t>토픽별</a:t>
+            </a:r>
+            <a:r>
+              <a:rPr lang="ko-KR" altLang="en-US" dirty="0"/>
+              <a:t> 리뷰 추출</a:t>
             </a:r>
             <a:endParaRPr lang="en-US" altLang="ko-KR" dirty="0"/>
           </a:p>
@@ -3640,11 +3642,19 @@
           <a:p>
             <a:r>
               <a:rPr lang="en-US" altLang="ko-KR" dirty="0"/>
-              <a:t>5) </a:t>
-            </a:r>
-            <a:r>
-              <a:rPr lang="ko-KR" altLang="en-US" dirty="0"/>
-              <a:t>키워드가 포함된 리뷰를 찾아 감성분석 진행</a:t>
+              <a:t>5) LDA</a:t>
+            </a:r>
+            <a:r>
+              <a:rPr lang="ko-KR" altLang="en-US" dirty="0"/>
+              <a:t>를 통해 추출된 토픽의 연관 키워드가 포함된 리뷰를 </a:t>
+            </a:r>
+            <a:r>
+              <a:rPr lang="en-US" altLang="ko-KR" dirty="0"/>
+              <a:t>4)</a:t>
+            </a:r>
+            <a:r>
+              <a:rPr lang="ko-KR" altLang="en-US" dirty="0"/>
+              <a:t>에서 찾아 감성분석 진행</a:t>
             </a:r>
             <a:endParaRPr lang="en-US" altLang="ko-KR" dirty="0"/>
           </a:p>
@@ -3658,7 +3668,7 @@
             </a:r>
             <a:r>
               <a:rPr lang="ko-KR" altLang="en-US" dirty="0"/>
-              <a:t>해당 키워드가 특정한 관광유형에서 긍정</a:t>
+              <a:t>해당 키워드가 속하는 관광 유형에서 긍정</a:t>
             </a:r>
             <a:r>
               <a:rPr lang="en-US" altLang="ko-KR" dirty="0"/>
@@ -3670,7 +3680,88 @@
             </a:r>
           </a:p>
           <a:p>
-            <a:endParaRPr lang="ko-KR" altLang="en-US" dirty="0"/>
+            <a:endParaRPr lang="en-US" altLang="ko-KR" dirty="0"/>
+          </a:p>
+          <a:p>
+            <a:r>
+              <a:rPr lang="en-US" altLang="ko-KR" dirty="0"/>
+              <a:t>Ex) </a:t>
+            </a:r>
+            <a:r>
+              <a:rPr lang="ko-KR" altLang="en-US" dirty="0"/>
+              <a:t>토픽</a:t>
+            </a:r>
+            <a:r>
+              <a:rPr lang="en-US" altLang="ko-KR" dirty="0"/>
+              <a:t>1</a:t>
+            </a:r>
+            <a:r>
+              <a:rPr lang="ko-KR" altLang="en-US" dirty="0"/>
+              <a:t>에 </a:t>
+            </a:r>
+            <a:r>
+              <a:rPr lang="en-US" altLang="ko-KR" dirty="0"/>
+              <a:t>‘</a:t>
+            </a:r>
+            <a:r>
+              <a:rPr lang="ko-KR" altLang="en-US" dirty="0"/>
+              <a:t>전시</a:t>
+            </a:r>
+            <a:r>
+              <a:rPr lang="en-US" altLang="ko-KR" dirty="0"/>
+              <a:t>’ </a:t>
+            </a:r>
+            <a:r>
+              <a:rPr lang="ko-KR" altLang="en-US" dirty="0"/>
+              <a:t>가 연관 키워드로 추출된다면 </a:t>
+            </a:r>
+            <a:r>
+              <a:rPr lang="en-US" altLang="ko-KR" dirty="0"/>
+              <a:t>‘</a:t>
+            </a:r>
+            <a:r>
+              <a:rPr lang="ko-KR" altLang="en-US" dirty="0"/>
+              <a:t>전시</a:t>
+            </a:r>
+            <a:r>
+              <a:rPr lang="en-US" altLang="ko-KR" dirty="0"/>
+              <a:t>’</a:t>
+            </a:r>
+            <a:r>
+              <a:rPr lang="ko-KR" altLang="en-US" dirty="0"/>
+              <a:t> 단어가 포함된 리뷰를 찾아 감성분석을 진행</a:t>
+            </a:r>
+            <a:endParaRPr lang="en-US" altLang="ko-KR" dirty="0"/>
+          </a:p>
+          <a:p>
+            <a:r>
+              <a:rPr lang="ko-KR" altLang="en-US" dirty="0"/>
+              <a:t>토픽</a:t>
+            </a:r>
+            <a:r>
+              <a:rPr lang="en-US" altLang="ko-KR" dirty="0"/>
+              <a:t>1</a:t>
+            </a:r>
+            <a:r>
+              <a:rPr lang="ko-KR" altLang="en-US" dirty="0"/>
+              <a:t>에서 </a:t>
+            </a:r>
+            <a:r>
+              <a:rPr lang="en-US" altLang="ko-KR" dirty="0"/>
+              <a:t>‘</a:t>
+            </a:r>
+            <a:r>
+              <a:rPr lang="ko-KR" altLang="en-US" dirty="0"/>
+              <a:t>전시</a:t>
+            </a:r>
+            <a:r>
+              <a:rPr lang="en-US" altLang="ko-KR" dirty="0"/>
+              <a:t>’</a:t>
+            </a:r>
+            <a:r>
+              <a:rPr lang="ko-KR" altLang="en-US" dirty="0"/>
+              <a:t>가 긍정인지 부정인지 판단</a:t>
+            </a:r>
           </a:p>
         </p:txBody>
       </p:sp>
@@ -3706,6 +3797,107 @@
       </p:grpSpPr>
       <p:pic>
         <p:nvPicPr>
+          <p:cNvPr id="7" name="그림 6">
+            <a:extLst>
+              <a:ext uri="{FF2B5EF4-FFF2-40B4-BE49-F238E27FC236}">
+                <a16:creationId xmlns:a16="http://schemas.microsoft.com/office/drawing/2014/main" id="{9978E08A-C3C4-7075-96FA-FE2060ED3FDD}"/>
+              </a:ext>
+            </a:extLst>
+          </p:cNvPr>
+          <p:cNvPicPr>
+            <a:picLocks noChangeAspect="1"/>
+          </p:cNvPicPr>
+          <p:nvPr/>
+        </p:nvPicPr>
+        <p:blipFill>
+          <a:blip r:embed="rId2">
+            <a:extLst>
+              <a:ext uri="{28A0092B-C50C-407E-A947-70E740481C1C}">
+                <a14:useLocalDpi xmlns:a14="http://schemas.microsoft.com/office/drawing/2010/main" val="0"/>
+              </a:ext>
+            </a:extLst>
+          </a:blip>
+          <a:stretch>
+            <a:fillRect/>
+          </a:stretch>
+        </p:blipFill>
+        <p:spPr>
+          <a:xfrm>
+            <a:off x="3674678" y="501650"/>
+            <a:ext cx="7343426" cy="5854700"/>
+          </a:xfrm>
+          <a:prstGeom prst="rect">
+            <a:avLst/>
+          </a:prstGeom>
+        </p:spPr>
+      </p:pic>
+      <p:sp>
+        <p:nvSpPr>
+          <p:cNvPr id="8" name="TextBox 7">
+            <a:extLst>
+              <a:ext uri="{FF2B5EF4-FFF2-40B4-BE49-F238E27FC236}">
+                <a16:creationId xmlns:a16="http://schemas.microsoft.com/office/drawing/2014/main" id="{E4966B20-1B26-CFE4-C915-E59DDEF55AFA}"/>
+              </a:ext>
+            </a:extLst>
+          </p:cNvPr>
+          <p:cNvSpPr txBox="1"/>
+          <p:nvPr/>
+        </p:nvSpPr>
+        <p:spPr>
+          <a:xfrm>
+            <a:off x="406400" y="301595"/>
+            <a:ext cx="2326278" cy="400110"/>
+          </a:xfrm>
+          <a:prstGeom prst="rect">
+            <a:avLst/>
+          </a:prstGeom>
+          <a:noFill/>
+        </p:spPr>
+        <p:txBody>
+          <a:bodyPr wrap="none" rtlCol="0">
+            <a:spAutoFit/>
+          </a:bodyPr>
+          <a:lstStyle/>
+          <a:p>
+            <a:r>
+              <a:rPr lang="ko-KR" altLang="en-US" sz="2000" b="1"/>
+              <a:t>프로젝트 프로세스</a:t>
+            </a:r>
+          </a:p>
+        </p:txBody>
+      </p:sp>
+    </p:spTree>
+    <p:extLst>
+      <p:ext uri="{BB962C8B-B14F-4D97-AF65-F5344CB8AC3E}">
+        <p14:creationId xmlns:p14="http://schemas.microsoft.com/office/powerpoint/2010/main" val="1109382492"/>
+      </p:ext>
+    </p:extLst>
+  </p:cSld>
+  <p:clrMapOvr>
+    <a:masterClrMapping/>
+  </p:clrMapOvr>
+</p:sld>
+</file>
+
+<file path=ppt/slides/slide3.xml><?xml version="1.0" encoding="utf-8"?>
+<p:sld xmlns:a="http://schemas.openxmlformats.org/drawingml/2006/main" xmlns:r="http://schemas.openxmlformats.org/officeDocument/2006/relationships" xmlns:p="http://schemas.openxmlformats.org/presentationml/2006/main">
+  <p:cSld>
+    <p:spTree>
+      <p:nvGrpSpPr>
+        <p:cNvPr id="1" name=""/>
+        <p:cNvGrpSpPr/>
+        <p:nvPr/>
+      </p:nvGrpSpPr>
+      <p:grpSpPr>
+        <a:xfrm>
+          <a:off x="0" y="0"/>
+          <a:ext cx="0" cy="0"/>
+          <a:chOff x="0" y="0"/>
+          <a:chExt cx="0" cy="0"/>
+        </a:xfrm>
+      </p:grpSpPr>
+      <p:pic>
+        <p:nvPicPr>
           <p:cNvPr id="9" name="그림 8">
             <a:extLst>
               <a:ext uri="{FF2B5EF4-FFF2-40B4-BE49-F238E27FC236}">
@@ -4035,7 +4227,7 @@
 </p:sld>
 </file>
 
-<file path=ppt/slides/slide3.xml><?xml version="1.0" encoding="utf-8"?>
+<file path=ppt/slides/slide4.xml><?xml version="1.0" encoding="utf-8"?>
 <p:sld xmlns:a="http://schemas.openxmlformats.org/drawingml/2006/main" xmlns:r="http://schemas.openxmlformats.org/officeDocument/2006/relationships" xmlns:p="http://schemas.openxmlformats.org/presentationml/2006/main">
   <p:cSld>
     <p:spTree>
@@ -5284,7 +5476,7 @@
 </p:sld>
 </file>
 
-<file path=ppt/slides/slide4.xml><?xml version="1.0" encoding="utf-8"?>
+<file path=ppt/slides/slide5.xml><?xml version="1.0" encoding="utf-8"?>
 <p:sld xmlns:a="http://schemas.openxmlformats.org/drawingml/2006/main" xmlns:r="http://schemas.openxmlformats.org/officeDocument/2006/relationships" xmlns:p="http://schemas.openxmlformats.org/presentationml/2006/main">
   <p:cSld>
     <p:spTree>
@@ -5686,7 +5878,7 @@
 </p:sld>
 </file>
 
-<file path=ppt/slides/slide5.xml><?xml version="1.0" encoding="utf-8"?>
+<file path=ppt/slides/slide6.xml><?xml version="1.0" encoding="utf-8"?>
 <p:sld xmlns:a="http://schemas.openxmlformats.org/drawingml/2006/main" xmlns:r="http://schemas.openxmlformats.org/officeDocument/2006/relationships" xmlns:p="http://schemas.openxmlformats.org/presentationml/2006/main">
   <p:cSld>
     <p:spTree>
@@ -5919,7 +6111,7 @@
 </p:sld>
 </file>
 
-<file path=ppt/slides/slide6.xml><?xml version="1.0" encoding="utf-8"?>
+<file path=ppt/slides/slide7.xml><?xml version="1.0" encoding="utf-8"?>
 <p:sld xmlns:a="http://schemas.openxmlformats.org/drawingml/2006/main" xmlns:r="http://schemas.openxmlformats.org/officeDocument/2006/relationships" xmlns:p="http://schemas.openxmlformats.org/presentationml/2006/main">
   <p:cSld>
     <p:spTree>
@@ -6331,7 +6523,7 @@
 </p:sld>
 </file>
 
-<file path=ppt/slides/slide7.xml><?xml version="1.0" encoding="utf-8"?>
+<file path=ppt/slides/slide8.xml><?xml version="1.0" encoding="utf-8"?>
 <p:sld xmlns:a="http://schemas.openxmlformats.org/drawingml/2006/main" xmlns:r="http://schemas.openxmlformats.org/officeDocument/2006/relationships" xmlns:p="http://schemas.openxmlformats.org/presentationml/2006/main">
   <p:cSld>
     <p:spTree>
@@ -6897,7 +7089,7 @@
 </p:sld>
 </file>
 
-<file path=ppt/slides/slide8.xml><?xml version="1.0" encoding="utf-8"?>
+<file path=ppt/slides/slide9.xml><?xml version="1.0" encoding="utf-8"?>
 <p:sld xmlns:a="http://schemas.openxmlformats.org/drawingml/2006/main" xmlns:r="http://schemas.openxmlformats.org/officeDocument/2006/relationships" xmlns:p="http://schemas.openxmlformats.org/presentationml/2006/main">
   <p:cSld>
     <p:spTree>

--- a/HyeJeong/Final File/발표자료.pptx
+++ b/HyeJeong/Final File/발표자료.pptx
@@ -8,12 +8,13 @@
     <p:sldId id="257" r:id="rId2"/>
     <p:sldId id="265" r:id="rId3"/>
     <p:sldId id="256" r:id="rId4"/>
-    <p:sldId id="258" r:id="rId5"/>
-    <p:sldId id="259" r:id="rId6"/>
-    <p:sldId id="260" r:id="rId7"/>
-    <p:sldId id="261" r:id="rId8"/>
-    <p:sldId id="262" r:id="rId9"/>
-    <p:sldId id="263" r:id="rId10"/>
+    <p:sldId id="266" r:id="rId5"/>
+    <p:sldId id="258" r:id="rId6"/>
+    <p:sldId id="259" r:id="rId7"/>
+    <p:sldId id="260" r:id="rId8"/>
+    <p:sldId id="261" r:id="rId9"/>
+    <p:sldId id="262" r:id="rId10"/>
+    <p:sldId id="263" r:id="rId11"/>
   </p:sldIdLst>
   <p:sldSz cx="12192000" cy="6858000"/>
   <p:notesSz cx="6858000" cy="9144000"/>
@@ -3348,7 +3349,7 @@
         </p:nvSpPr>
         <p:spPr>
           <a:xfrm>
-            <a:off x="1237095" y="1022558"/>
+            <a:off x="1237095" y="1084481"/>
             <a:ext cx="7204216" cy="2031325"/>
           </a:xfrm>
           <a:prstGeom prst="rect">
@@ -3769,6 +3770,214 @@
     <p:extLst>
       <p:ext uri="{BB962C8B-B14F-4D97-AF65-F5344CB8AC3E}">
         <p14:creationId xmlns:p14="http://schemas.microsoft.com/office/powerpoint/2010/main" val="3108833322"/>
+      </p:ext>
+    </p:extLst>
+  </p:cSld>
+  <p:clrMapOvr>
+    <a:masterClrMapping/>
+  </p:clrMapOvr>
+</p:sld>
+</file>
+
+<file path=ppt/slides/slide10.xml><?xml version="1.0" encoding="utf-8"?>
+<p:sld xmlns:a="http://schemas.openxmlformats.org/drawingml/2006/main" xmlns:r="http://schemas.openxmlformats.org/officeDocument/2006/relationships" xmlns:p="http://schemas.openxmlformats.org/presentationml/2006/main">
+  <p:cSld>
+    <p:spTree>
+      <p:nvGrpSpPr>
+        <p:cNvPr id="1" name=""/>
+        <p:cNvGrpSpPr/>
+        <p:nvPr/>
+      </p:nvGrpSpPr>
+      <p:grpSpPr>
+        <a:xfrm>
+          <a:off x="0" y="0"/>
+          <a:ext cx="0" cy="0"/>
+          <a:chOff x="0" y="0"/>
+          <a:chExt cx="0" cy="0"/>
+        </a:xfrm>
+      </p:grpSpPr>
+      <p:pic>
+        <p:nvPicPr>
+          <p:cNvPr id="4" name="그림 3">
+            <a:extLst>
+              <a:ext uri="{FF2B5EF4-FFF2-40B4-BE49-F238E27FC236}">
+                <a16:creationId xmlns:a16="http://schemas.microsoft.com/office/drawing/2014/main" id="{78076E13-C778-DEF0-40EF-674F673BBFB2}"/>
+              </a:ext>
+            </a:extLst>
+          </p:cNvPr>
+          <p:cNvPicPr>
+            <a:picLocks noChangeAspect="1"/>
+          </p:cNvPicPr>
+          <p:nvPr/>
+        </p:nvPicPr>
+        <p:blipFill>
+          <a:blip r:embed="rId2"/>
+          <a:stretch>
+            <a:fillRect/>
+          </a:stretch>
+        </p:blipFill>
+        <p:spPr>
+          <a:xfrm>
+            <a:off x="6316258" y="2350844"/>
+            <a:ext cx="5219960" cy="3694356"/>
+          </a:xfrm>
+          <a:prstGeom prst="rect">
+            <a:avLst/>
+          </a:prstGeom>
+        </p:spPr>
+      </p:pic>
+      <p:sp>
+        <p:nvSpPr>
+          <p:cNvPr id="5" name="TextBox 4">
+            <a:extLst>
+              <a:ext uri="{FF2B5EF4-FFF2-40B4-BE49-F238E27FC236}">
+                <a16:creationId xmlns:a16="http://schemas.microsoft.com/office/drawing/2014/main" id="{C9C1C839-F2BF-60EC-924E-3AF83F787F3C}"/>
+              </a:ext>
+            </a:extLst>
+          </p:cNvPr>
+          <p:cNvSpPr txBox="1"/>
+          <p:nvPr/>
+        </p:nvSpPr>
+        <p:spPr>
+          <a:xfrm>
+            <a:off x="737235" y="1219200"/>
+            <a:ext cx="3256854" cy="369332"/>
+          </a:xfrm>
+          <a:prstGeom prst="rect">
+            <a:avLst/>
+          </a:prstGeom>
+          <a:noFill/>
+        </p:spPr>
+        <p:txBody>
+          <a:bodyPr wrap="none" rtlCol="0">
+            <a:spAutoFit/>
+          </a:bodyPr>
+          <a:lstStyle/>
+          <a:p>
+            <a:r>
+              <a:rPr lang="en-US" altLang="ko-KR" dirty="0"/>
+              <a:t>1. </a:t>
+            </a:r>
+            <a:r>
+              <a:rPr lang="ko-KR" altLang="en-US" dirty="0"/>
+              <a:t>전체 통합 리뷰 </a:t>
+            </a:r>
+            <a:r>
+              <a:rPr lang="en-US" altLang="ko-KR" dirty="0"/>
+              <a:t>word cloud</a:t>
+            </a:r>
+            <a:endParaRPr lang="ko-KR" altLang="en-US" dirty="0"/>
+          </a:p>
+        </p:txBody>
+      </p:sp>
+      <p:sp>
+        <p:nvSpPr>
+          <p:cNvPr id="6" name="TextBox 5">
+            <a:extLst>
+              <a:ext uri="{FF2B5EF4-FFF2-40B4-BE49-F238E27FC236}">
+                <a16:creationId xmlns:a16="http://schemas.microsoft.com/office/drawing/2014/main" id="{D35E43D0-9822-208B-8DC8-2ED868A84184}"/>
+              </a:ext>
+            </a:extLst>
+          </p:cNvPr>
+          <p:cNvSpPr txBox="1"/>
+          <p:nvPr/>
+        </p:nvSpPr>
+        <p:spPr>
+          <a:xfrm>
+            <a:off x="655782" y="314036"/>
+            <a:ext cx="2045753" cy="369332"/>
+          </a:xfrm>
+          <a:prstGeom prst="rect">
+            <a:avLst/>
+          </a:prstGeom>
+          <a:noFill/>
+        </p:spPr>
+        <p:txBody>
+          <a:bodyPr wrap="none" rtlCol="0">
+            <a:spAutoFit/>
+          </a:bodyPr>
+          <a:lstStyle/>
+          <a:p>
+            <a:r>
+              <a:rPr lang="ko-KR" altLang="en-US" b="1" dirty="0"/>
+              <a:t>그 외 시각화 자료</a:t>
+            </a:r>
+          </a:p>
+        </p:txBody>
+      </p:sp>
+      <p:pic>
+        <p:nvPicPr>
+          <p:cNvPr id="7" name="그림 6">
+            <a:extLst>
+              <a:ext uri="{FF2B5EF4-FFF2-40B4-BE49-F238E27FC236}">
+                <a16:creationId xmlns:a16="http://schemas.microsoft.com/office/drawing/2014/main" id="{EF116804-DD5B-2E07-F4C1-0C0A6C436C70}"/>
+              </a:ext>
+            </a:extLst>
+          </p:cNvPr>
+          <p:cNvPicPr>
+            <a:picLocks noChangeAspect="1"/>
+          </p:cNvPicPr>
+          <p:nvPr/>
+        </p:nvPicPr>
+        <p:blipFill>
+          <a:blip r:embed="rId3"/>
+          <a:stretch>
+            <a:fillRect/>
+          </a:stretch>
+        </p:blipFill>
+        <p:spPr>
+          <a:xfrm>
+            <a:off x="655782" y="1824164"/>
+            <a:ext cx="4578350" cy="4594819"/>
+          </a:xfrm>
+          <a:prstGeom prst="rect">
+            <a:avLst/>
+          </a:prstGeom>
+        </p:spPr>
+      </p:pic>
+      <p:sp>
+        <p:nvSpPr>
+          <p:cNvPr id="8" name="TextBox 7">
+            <a:extLst>
+              <a:ext uri="{FF2B5EF4-FFF2-40B4-BE49-F238E27FC236}">
+                <a16:creationId xmlns:a16="http://schemas.microsoft.com/office/drawing/2014/main" id="{78A46827-C392-CBAC-2C4F-8B865B35D5F1}"/>
+              </a:ext>
+            </a:extLst>
+          </p:cNvPr>
+          <p:cNvSpPr txBox="1"/>
+          <p:nvPr/>
+        </p:nvSpPr>
+        <p:spPr>
+          <a:xfrm>
+            <a:off x="7059526" y="1219200"/>
+            <a:ext cx="2387192" cy="369332"/>
+          </a:xfrm>
+          <a:prstGeom prst="rect">
+            <a:avLst/>
+          </a:prstGeom>
+          <a:noFill/>
+        </p:spPr>
+        <p:txBody>
+          <a:bodyPr wrap="none" rtlCol="0">
+            <a:spAutoFit/>
+          </a:bodyPr>
+          <a:lstStyle/>
+          <a:p>
+            <a:r>
+              <a:rPr lang="en-US" altLang="ko-KR" dirty="0"/>
+              <a:t>2.  </a:t>
+            </a:r>
+            <a:r>
+              <a:rPr lang="ko-KR" altLang="en-US" dirty="0"/>
+              <a:t>토픽 별 리뷰 분포</a:t>
+            </a:r>
+          </a:p>
+        </p:txBody>
+      </p:sp>
+    </p:spTree>
+    <p:extLst>
+      <p:ext uri="{BB962C8B-B14F-4D97-AF65-F5344CB8AC3E}">
+        <p14:creationId xmlns:p14="http://schemas.microsoft.com/office/powerpoint/2010/main" val="3943980985"/>
       </p:ext>
     </p:extLst>
   </p:cSld>
@@ -4228,6 +4437,105 @@
 </file>
 
 <file path=ppt/slides/slide4.xml><?xml version="1.0" encoding="utf-8"?>
+<p:sld xmlns:a="http://schemas.openxmlformats.org/drawingml/2006/main" xmlns:r="http://schemas.openxmlformats.org/officeDocument/2006/relationships" xmlns:p="http://schemas.openxmlformats.org/presentationml/2006/main">
+  <p:cSld>
+    <p:spTree>
+      <p:nvGrpSpPr>
+        <p:cNvPr id="1" name=""/>
+        <p:cNvGrpSpPr/>
+        <p:nvPr/>
+      </p:nvGrpSpPr>
+      <p:grpSpPr>
+        <a:xfrm>
+          <a:off x="0" y="0"/>
+          <a:ext cx="0" cy="0"/>
+          <a:chOff x="0" y="0"/>
+          <a:chExt cx="0" cy="0"/>
+        </a:xfrm>
+      </p:grpSpPr>
+      <p:pic>
+        <p:nvPicPr>
+          <p:cNvPr id="5" name="그림 4">
+            <a:extLst>
+              <a:ext uri="{FF2B5EF4-FFF2-40B4-BE49-F238E27FC236}">
+                <a16:creationId xmlns:a16="http://schemas.microsoft.com/office/drawing/2014/main" id="{D8D65262-6FF3-642A-DA62-51496726D338}"/>
+              </a:ext>
+            </a:extLst>
+          </p:cNvPr>
+          <p:cNvPicPr>
+            <a:picLocks noChangeAspect="1"/>
+          </p:cNvPicPr>
+          <p:nvPr/>
+        </p:nvPicPr>
+        <p:blipFill>
+          <a:blip r:embed="rId2"/>
+          <a:stretch>
+            <a:fillRect/>
+          </a:stretch>
+        </p:blipFill>
+        <p:spPr>
+          <a:xfrm>
+            <a:off x="2092614" y="385762"/>
+            <a:ext cx="10020300" cy="6086475"/>
+          </a:xfrm>
+          <a:prstGeom prst="rect">
+            <a:avLst/>
+          </a:prstGeom>
+        </p:spPr>
+      </p:pic>
+      <p:sp>
+        <p:nvSpPr>
+          <p:cNvPr id="6" name="TextBox 5">
+            <a:extLst>
+              <a:ext uri="{FF2B5EF4-FFF2-40B4-BE49-F238E27FC236}">
+                <a16:creationId xmlns:a16="http://schemas.microsoft.com/office/drawing/2014/main" id="{00643D1D-762F-1CFD-0D00-47F0D2607645}"/>
+              </a:ext>
+            </a:extLst>
+          </p:cNvPr>
+          <p:cNvSpPr txBox="1"/>
+          <p:nvPr/>
+        </p:nvSpPr>
+        <p:spPr>
+          <a:xfrm>
+            <a:off x="221672" y="544945"/>
+            <a:ext cx="1638077" cy="369332"/>
+          </a:xfrm>
+          <a:prstGeom prst="rect">
+            <a:avLst/>
+          </a:prstGeom>
+          <a:noFill/>
+        </p:spPr>
+        <p:txBody>
+          <a:bodyPr wrap="none" rtlCol="0">
+            <a:spAutoFit/>
+          </a:bodyPr>
+          <a:lstStyle/>
+          <a:p>
+            <a:r>
+              <a:rPr lang="en-US" altLang="ko-KR" b="1"/>
+              <a:t>LDA</a:t>
+            </a:r>
+            <a:r>
+              <a:rPr lang="ko-KR" altLang="en-US" b="1" dirty="0"/>
+              <a:t> 결과화면</a:t>
+            </a:r>
+          </a:p>
+        </p:txBody>
+      </p:sp>
+    </p:spTree>
+    <p:extLst>
+      <p:ext uri="{BB962C8B-B14F-4D97-AF65-F5344CB8AC3E}">
+        <p14:creationId xmlns:p14="http://schemas.microsoft.com/office/powerpoint/2010/main" val="1148836921"/>
+      </p:ext>
+    </p:extLst>
+  </p:cSld>
+  <p:clrMapOvr>
+    <a:masterClrMapping/>
+  </p:clrMapOvr>
+</p:sld>
+</file>
+
+<file path=ppt/slides/slide5.xml><?xml version="1.0" encoding="utf-8"?>
 <p:sld xmlns:a="http://schemas.openxmlformats.org/drawingml/2006/main" xmlns:r="http://schemas.openxmlformats.org/officeDocument/2006/relationships" xmlns:p="http://schemas.openxmlformats.org/presentationml/2006/main">
   <p:cSld>
     <p:spTree>
@@ -5476,7 +5784,7 @@
 </p:sld>
 </file>
 
-<file path=ppt/slides/slide5.xml><?xml version="1.0" encoding="utf-8"?>
+<file path=ppt/slides/slide6.xml><?xml version="1.0" encoding="utf-8"?>
 <p:sld xmlns:a="http://schemas.openxmlformats.org/drawingml/2006/main" xmlns:r="http://schemas.openxmlformats.org/officeDocument/2006/relationships" xmlns:p="http://schemas.openxmlformats.org/presentationml/2006/main">
   <p:cSld>
     <p:spTree>
@@ -5878,7 +6186,7 @@
 </p:sld>
 </file>
 
-<file path=ppt/slides/slide6.xml><?xml version="1.0" encoding="utf-8"?>
+<file path=ppt/slides/slide7.xml><?xml version="1.0" encoding="utf-8"?>
 <p:sld xmlns:a="http://schemas.openxmlformats.org/drawingml/2006/main" xmlns:r="http://schemas.openxmlformats.org/officeDocument/2006/relationships" xmlns:p="http://schemas.openxmlformats.org/presentationml/2006/main">
   <p:cSld>
     <p:spTree>
@@ -6111,7 +6419,7 @@
 </p:sld>
 </file>
 
-<file path=ppt/slides/slide7.xml><?xml version="1.0" encoding="utf-8"?>
+<file path=ppt/slides/slide8.xml><?xml version="1.0" encoding="utf-8"?>
 <p:sld xmlns:a="http://schemas.openxmlformats.org/drawingml/2006/main" xmlns:r="http://schemas.openxmlformats.org/officeDocument/2006/relationships" xmlns:p="http://schemas.openxmlformats.org/presentationml/2006/main">
   <p:cSld>
     <p:spTree>
@@ -6523,7 +6831,7 @@
 </p:sld>
 </file>
 
-<file path=ppt/slides/slide8.xml><?xml version="1.0" encoding="utf-8"?>
+<file path=ppt/slides/slide9.xml><?xml version="1.0" encoding="utf-8"?>
 <p:sld xmlns:a="http://schemas.openxmlformats.org/drawingml/2006/main" xmlns:r="http://schemas.openxmlformats.org/officeDocument/2006/relationships" xmlns:p="http://schemas.openxmlformats.org/presentationml/2006/main">
   <p:cSld>
     <p:spTree>
@@ -7076,82 +7384,22 @@
           </a:graphicData>
         </a:graphic>
       </p:graphicFrame>
-    </p:spTree>
-    <p:extLst>
-      <p:ext uri="{BB962C8B-B14F-4D97-AF65-F5344CB8AC3E}">
-        <p14:creationId xmlns:p14="http://schemas.microsoft.com/office/powerpoint/2010/main" val="899367097"/>
-      </p:ext>
-    </p:extLst>
-  </p:cSld>
-  <p:clrMapOvr>
-    <a:masterClrMapping/>
-  </p:clrMapOvr>
-</p:sld>
-</file>
-
-<file path=ppt/slides/slide9.xml><?xml version="1.0" encoding="utf-8"?>
-<p:sld xmlns:a="http://schemas.openxmlformats.org/drawingml/2006/main" xmlns:r="http://schemas.openxmlformats.org/officeDocument/2006/relationships" xmlns:p="http://schemas.openxmlformats.org/presentationml/2006/main">
-  <p:cSld>
-    <p:spTree>
-      <p:nvGrpSpPr>
-        <p:cNvPr id="1" name=""/>
-        <p:cNvGrpSpPr/>
-        <p:nvPr/>
-      </p:nvGrpSpPr>
-      <p:grpSpPr>
-        <a:xfrm>
-          <a:off x="0" y="0"/>
-          <a:ext cx="0" cy="0"/>
-          <a:chOff x="0" y="0"/>
-          <a:chExt cx="0" cy="0"/>
-        </a:xfrm>
-      </p:grpSpPr>
-      <p:pic>
-        <p:nvPicPr>
-          <p:cNvPr id="4" name="그림 3">
-            <a:extLst>
-              <a:ext uri="{FF2B5EF4-FFF2-40B4-BE49-F238E27FC236}">
-                <a16:creationId xmlns:a16="http://schemas.microsoft.com/office/drawing/2014/main" id="{78076E13-C778-DEF0-40EF-674F673BBFB2}"/>
-              </a:ext>
-            </a:extLst>
-          </p:cNvPr>
-          <p:cNvPicPr>
-            <a:picLocks noChangeAspect="1"/>
-          </p:cNvPicPr>
+      <p:sp>
+        <p:nvSpPr>
+          <p:cNvPr id="2" name="TextBox 1">
+            <a:extLst>
+              <a:ext uri="{FF2B5EF4-FFF2-40B4-BE49-F238E27FC236}">
+                <a16:creationId xmlns:a16="http://schemas.microsoft.com/office/drawing/2014/main" id="{5D11EF87-1D67-A156-1260-DE2BAD572038}"/>
+              </a:ext>
+            </a:extLst>
+          </p:cNvPr>
+          <p:cNvSpPr txBox="1"/>
           <p:nvPr/>
-        </p:nvPicPr>
-        <p:blipFill>
-          <a:blip r:embed="rId2"/>
-          <a:stretch>
-            <a:fillRect/>
-          </a:stretch>
-        </p:blipFill>
+        </p:nvSpPr>
         <p:spPr>
           <a:xfrm>
-            <a:off x="6316258" y="2350844"/>
-            <a:ext cx="5219960" cy="3694356"/>
-          </a:xfrm>
-          <a:prstGeom prst="rect">
-            <a:avLst/>
-          </a:prstGeom>
-        </p:spPr>
-      </p:pic>
-      <p:sp>
-        <p:nvSpPr>
-          <p:cNvPr id="5" name="TextBox 4">
-            <a:extLst>
-              <a:ext uri="{FF2B5EF4-FFF2-40B4-BE49-F238E27FC236}">
-                <a16:creationId xmlns:a16="http://schemas.microsoft.com/office/drawing/2014/main" id="{C9C1C839-F2BF-60EC-924E-3AF83F787F3C}"/>
-              </a:ext>
-            </a:extLst>
-          </p:cNvPr>
-          <p:cNvSpPr txBox="1"/>
-          <p:nvPr/>
-        </p:nvSpPr>
-        <p:spPr>
-          <a:xfrm>
-            <a:off x="737235" y="1219200"/>
-            <a:ext cx="3256854" cy="369332"/>
+            <a:off x="1681018" y="5504873"/>
+            <a:ext cx="10344727" cy="646331"/>
           </a:xfrm>
           <a:prstGeom prst="rect">
             <a:avLst/>
@@ -7159,127 +7407,33 @@
           <a:noFill/>
         </p:spPr>
         <p:txBody>
-          <a:bodyPr wrap="none" rtlCol="0">
+          <a:bodyPr wrap="square" rtlCol="0">
             <a:spAutoFit/>
           </a:bodyPr>
           <a:lstStyle/>
           <a:p>
             <a:r>
-              <a:rPr lang="en-US" altLang="ko-KR" dirty="0"/>
-              <a:t>1. </a:t>
-            </a:r>
-            <a:r>
-              <a:rPr lang="ko-KR" altLang="en-US" dirty="0"/>
-              <a:t>전체 통합 리뷰 </a:t>
-            </a:r>
-            <a:r>
-              <a:rPr lang="en-US" altLang="ko-KR" dirty="0"/>
-              <a:t>word cloud</a:t>
-            </a:r>
-            <a:endParaRPr lang="ko-KR" altLang="en-US" dirty="0"/>
-          </a:p>
-        </p:txBody>
-      </p:sp>
-      <p:sp>
-        <p:nvSpPr>
-          <p:cNvPr id="6" name="TextBox 5">
-            <a:extLst>
-              <a:ext uri="{FF2B5EF4-FFF2-40B4-BE49-F238E27FC236}">
-                <a16:creationId xmlns:a16="http://schemas.microsoft.com/office/drawing/2014/main" id="{D35E43D0-9822-208B-8DC8-2ED868A84184}"/>
-              </a:ext>
-            </a:extLst>
-          </p:cNvPr>
-          <p:cNvSpPr txBox="1"/>
-          <p:nvPr/>
-        </p:nvSpPr>
-        <p:spPr>
-          <a:xfrm>
-            <a:off x="655782" y="314036"/>
-            <a:ext cx="2045753" cy="369332"/>
-          </a:xfrm>
-          <a:prstGeom prst="rect">
-            <a:avLst/>
-          </a:prstGeom>
-          <a:noFill/>
-        </p:spPr>
-        <p:txBody>
-          <a:bodyPr wrap="none" rtlCol="0">
-            <a:spAutoFit/>
-          </a:bodyPr>
-          <a:lstStyle/>
-          <a:p>
-            <a:r>
-              <a:rPr lang="ko-KR" altLang="en-US" b="1" dirty="0"/>
-              <a:t>그 외 시각화 자료</a:t>
-            </a:r>
-          </a:p>
-        </p:txBody>
-      </p:sp>
-      <p:pic>
-        <p:nvPicPr>
-          <p:cNvPr id="7" name="그림 6">
-            <a:extLst>
-              <a:ext uri="{FF2B5EF4-FFF2-40B4-BE49-F238E27FC236}">
-                <a16:creationId xmlns:a16="http://schemas.microsoft.com/office/drawing/2014/main" id="{EF116804-DD5B-2E07-F4C1-0C0A6C436C70}"/>
-              </a:ext>
-            </a:extLst>
-          </p:cNvPr>
-          <p:cNvPicPr>
-            <a:picLocks noChangeAspect="1"/>
-          </p:cNvPicPr>
-          <p:nvPr/>
-        </p:nvPicPr>
-        <p:blipFill>
-          <a:blip r:embed="rId3"/>
-          <a:stretch>
-            <a:fillRect/>
-          </a:stretch>
-        </p:blipFill>
-        <p:spPr>
-          <a:xfrm>
-            <a:off x="655782" y="1824164"/>
-            <a:ext cx="4578350" cy="4594819"/>
-          </a:xfrm>
-          <a:prstGeom prst="rect">
-            <a:avLst/>
-          </a:prstGeom>
-        </p:spPr>
-      </p:pic>
-      <p:sp>
-        <p:nvSpPr>
-          <p:cNvPr id="8" name="TextBox 7">
-            <a:extLst>
-              <a:ext uri="{FF2B5EF4-FFF2-40B4-BE49-F238E27FC236}">
-                <a16:creationId xmlns:a16="http://schemas.microsoft.com/office/drawing/2014/main" id="{78A46827-C392-CBAC-2C4F-8B865B35D5F1}"/>
-              </a:ext>
-            </a:extLst>
-          </p:cNvPr>
-          <p:cNvSpPr txBox="1"/>
-          <p:nvPr/>
-        </p:nvSpPr>
-        <p:spPr>
-          <a:xfrm>
-            <a:off x="7059526" y="1219200"/>
-            <a:ext cx="2387192" cy="369332"/>
-          </a:xfrm>
-          <a:prstGeom prst="rect">
-            <a:avLst/>
-          </a:prstGeom>
-          <a:noFill/>
-        </p:spPr>
-        <p:txBody>
-          <a:bodyPr wrap="none" rtlCol="0">
-            <a:spAutoFit/>
-          </a:bodyPr>
-          <a:lstStyle/>
-          <a:p>
-            <a:r>
-              <a:rPr lang="en-US" altLang="ko-KR" dirty="0"/>
-              <a:t>2.  </a:t>
-            </a:r>
-            <a:r>
-              <a:rPr lang="ko-KR" altLang="en-US" dirty="0"/>
-              <a:t>토픽 별 리뷰 분포</a:t>
+              <a:rPr lang="ko-KR" altLang="en-US" dirty="0"/>
+              <a:t>추출된 모든 키워드가 긍정으로 추출되어서 이 부분은 잠시 </a:t>
+            </a:r>
+            <a:r>
+              <a:rPr lang="ko-KR" altLang="en-US" dirty="0" err="1"/>
+              <a:t>비워둘게요</a:t>
+            </a:r>
+            <a:r>
+              <a:rPr lang="ko-KR" altLang="en-US" dirty="0"/>
+              <a:t> </a:t>
+            </a:r>
+            <a:r>
+              <a:rPr lang="ko-KR" altLang="en-US" dirty="0" err="1"/>
+              <a:t>ㅠ</a:t>
+            </a:r>
+            <a:endParaRPr lang="en-US" altLang="ko-KR" dirty="0"/>
+          </a:p>
+          <a:p>
+            <a:r>
+              <a:rPr lang="ko-KR" altLang="en-US" dirty="0"/>
+              <a:t>  </a:t>
             </a:r>
           </a:p>
         </p:txBody>
@@ -7287,7 +7441,7 @@
     </p:spTree>
     <p:extLst>
       <p:ext uri="{BB962C8B-B14F-4D97-AF65-F5344CB8AC3E}">
-        <p14:creationId xmlns:p14="http://schemas.microsoft.com/office/powerpoint/2010/main" val="3943980985"/>
+        <p14:creationId xmlns:p14="http://schemas.microsoft.com/office/powerpoint/2010/main" val="899367097"/>
       </p:ext>
     </p:extLst>
   </p:cSld>
